--- a/297 - Admonition (Oh my people, saith).pptx
+++ b/297 - Admonition (Oh my people, saith).pptx
@@ -115,10 +115,6 @@
 </p:presentation>
 </file>
 
-<file path=ppt/revisionInfo.xml><?xml version="1.0" encoding="utf-8"?>
-<p1510:revInfo xmlns:a="http://schemas.openxmlformats.org/drawingml/2006/main" xmlns:r="http://schemas.openxmlformats.org/officeDocument/2006/relationships" xmlns:p1510="http://schemas.microsoft.com/office/powerpoint/2015/10/main"/>
-</file>
-
 <file path=ppt/slideLayouts/slideLayout1.xml><?xml version="1.0" encoding="utf-8"?>
 <p:sldLayout xmlns:a="http://schemas.openxmlformats.org/drawingml/2006/main" xmlns:r="http://schemas.openxmlformats.org/officeDocument/2006/relationships" xmlns:p="http://schemas.openxmlformats.org/presentationml/2006/main" type="title" preserve="1">
   <p:cSld name="Title Slide">
@@ -248,7 +244,7 @@
           <a:p>
             <a:fld id="{32F7251A-AE54-443C-B8FE-5F636E835EBF}" type="datetimeFigureOut">
               <a:rPr lang="en-US" smtClean="0"/>
-              <a:t>7/2/2017</a:t>
+              <a:t>7/29/2018</a:t>
             </a:fld>
             <a:endParaRPr lang="en-US"/>
           </a:p>
@@ -416,7 +412,7 @@
           <a:p>
             <a:fld id="{32F7251A-AE54-443C-B8FE-5F636E835EBF}" type="datetimeFigureOut">
               <a:rPr lang="en-US" smtClean="0"/>
-              <a:t>7/2/2017</a:t>
+              <a:t>7/29/2018</a:t>
             </a:fld>
             <a:endParaRPr lang="en-US"/>
           </a:p>
@@ -594,7 +590,7 @@
           <a:p>
             <a:fld id="{32F7251A-AE54-443C-B8FE-5F636E835EBF}" type="datetimeFigureOut">
               <a:rPr lang="en-US" smtClean="0"/>
-              <a:t>7/2/2017</a:t>
+              <a:t>7/29/2018</a:t>
             </a:fld>
             <a:endParaRPr lang="en-US"/>
           </a:p>
@@ -762,7 +758,7 @@
           <a:p>
             <a:fld id="{32F7251A-AE54-443C-B8FE-5F636E835EBF}" type="datetimeFigureOut">
               <a:rPr lang="en-US" smtClean="0"/>
-              <a:t>7/2/2017</a:t>
+              <a:t>7/29/2018</a:t>
             </a:fld>
             <a:endParaRPr lang="en-US"/>
           </a:p>
@@ -1007,7 +1003,7 @@
           <a:p>
             <a:fld id="{32F7251A-AE54-443C-B8FE-5F636E835EBF}" type="datetimeFigureOut">
               <a:rPr lang="en-US" smtClean="0"/>
-              <a:t>7/2/2017</a:t>
+              <a:t>7/29/2018</a:t>
             </a:fld>
             <a:endParaRPr lang="en-US"/>
           </a:p>
@@ -1236,7 +1232,7 @@
           <a:p>
             <a:fld id="{32F7251A-AE54-443C-B8FE-5F636E835EBF}" type="datetimeFigureOut">
               <a:rPr lang="en-US" smtClean="0"/>
-              <a:t>7/2/2017</a:t>
+              <a:t>7/29/2018</a:t>
             </a:fld>
             <a:endParaRPr lang="en-US"/>
           </a:p>
@@ -1600,7 +1596,7 @@
           <a:p>
             <a:fld id="{32F7251A-AE54-443C-B8FE-5F636E835EBF}" type="datetimeFigureOut">
               <a:rPr lang="en-US" smtClean="0"/>
-              <a:t>7/2/2017</a:t>
+              <a:t>7/29/2018</a:t>
             </a:fld>
             <a:endParaRPr lang="en-US"/>
           </a:p>
@@ -1717,7 +1713,7 @@
           <a:p>
             <a:fld id="{32F7251A-AE54-443C-B8FE-5F636E835EBF}" type="datetimeFigureOut">
               <a:rPr lang="en-US" smtClean="0"/>
-              <a:t>7/2/2017</a:t>
+              <a:t>7/29/2018</a:t>
             </a:fld>
             <a:endParaRPr lang="en-US"/>
           </a:p>
@@ -1812,7 +1808,7 @@
           <a:p>
             <a:fld id="{32F7251A-AE54-443C-B8FE-5F636E835EBF}" type="datetimeFigureOut">
               <a:rPr lang="en-US" smtClean="0"/>
-              <a:t>7/2/2017</a:t>
+              <a:t>7/29/2018</a:t>
             </a:fld>
             <a:endParaRPr lang="en-US"/>
           </a:p>
@@ -2087,7 +2083,7 @@
           <a:p>
             <a:fld id="{32F7251A-AE54-443C-B8FE-5F636E835EBF}" type="datetimeFigureOut">
               <a:rPr lang="en-US" smtClean="0"/>
-              <a:t>7/2/2017</a:t>
+              <a:t>7/29/2018</a:t>
             </a:fld>
             <a:endParaRPr lang="en-US"/>
           </a:p>
@@ -2339,7 +2335,7 @@
           <a:p>
             <a:fld id="{32F7251A-AE54-443C-B8FE-5F636E835EBF}" type="datetimeFigureOut">
               <a:rPr lang="en-US" smtClean="0"/>
-              <a:t>7/2/2017</a:t>
+              <a:t>7/29/2018</a:t>
             </a:fld>
             <a:endParaRPr lang="en-US"/>
           </a:p>
@@ -2553,7 +2549,7 @@
           <a:p>
             <a:fld id="{32F7251A-AE54-443C-B8FE-5F636E835EBF}" type="datetimeFigureOut">
               <a:rPr lang="en-US" smtClean="0"/>
-              <a:t>7/2/2017</a:t>
+              <a:t>7/29/2018</a:t>
             </a:fld>
             <a:endParaRPr lang="en-US"/>
           </a:p>

--- a/297 - Admonition (Oh my people, saith).pptx
+++ b/297 - Admonition (Oh my people, saith).pptx
@@ -244,7 +244,7 @@
           <a:p>
             <a:fld id="{32F7251A-AE54-443C-B8FE-5F636E835EBF}" type="datetimeFigureOut">
               <a:rPr lang="en-US" smtClean="0"/>
-              <a:t>7/29/2018</a:t>
+              <a:t>8/16/2020</a:t>
             </a:fld>
             <a:endParaRPr lang="en-US"/>
           </a:p>
@@ -412,7 +412,7 @@
           <a:p>
             <a:fld id="{32F7251A-AE54-443C-B8FE-5F636E835EBF}" type="datetimeFigureOut">
               <a:rPr lang="en-US" smtClean="0"/>
-              <a:t>7/29/2018</a:t>
+              <a:t>8/16/2020</a:t>
             </a:fld>
             <a:endParaRPr lang="en-US"/>
           </a:p>
@@ -590,7 +590,7 @@
           <a:p>
             <a:fld id="{32F7251A-AE54-443C-B8FE-5F636E835EBF}" type="datetimeFigureOut">
               <a:rPr lang="en-US" smtClean="0"/>
-              <a:t>7/29/2018</a:t>
+              <a:t>8/16/2020</a:t>
             </a:fld>
             <a:endParaRPr lang="en-US"/>
           </a:p>
@@ -758,7 +758,7 @@
           <a:p>
             <a:fld id="{32F7251A-AE54-443C-B8FE-5F636E835EBF}" type="datetimeFigureOut">
               <a:rPr lang="en-US" smtClean="0"/>
-              <a:t>7/29/2018</a:t>
+              <a:t>8/16/2020</a:t>
             </a:fld>
             <a:endParaRPr lang="en-US"/>
           </a:p>
@@ -1003,7 +1003,7 @@
           <a:p>
             <a:fld id="{32F7251A-AE54-443C-B8FE-5F636E835EBF}" type="datetimeFigureOut">
               <a:rPr lang="en-US" smtClean="0"/>
-              <a:t>7/29/2018</a:t>
+              <a:t>8/16/2020</a:t>
             </a:fld>
             <a:endParaRPr lang="en-US"/>
           </a:p>
@@ -1232,7 +1232,7 @@
           <a:p>
             <a:fld id="{32F7251A-AE54-443C-B8FE-5F636E835EBF}" type="datetimeFigureOut">
               <a:rPr lang="en-US" smtClean="0"/>
-              <a:t>7/29/2018</a:t>
+              <a:t>8/16/2020</a:t>
             </a:fld>
             <a:endParaRPr lang="en-US"/>
           </a:p>
@@ -1596,7 +1596,7 @@
           <a:p>
             <a:fld id="{32F7251A-AE54-443C-B8FE-5F636E835EBF}" type="datetimeFigureOut">
               <a:rPr lang="en-US" smtClean="0"/>
-              <a:t>7/29/2018</a:t>
+              <a:t>8/16/2020</a:t>
             </a:fld>
             <a:endParaRPr lang="en-US"/>
           </a:p>
@@ -1713,7 +1713,7 @@
           <a:p>
             <a:fld id="{32F7251A-AE54-443C-B8FE-5F636E835EBF}" type="datetimeFigureOut">
               <a:rPr lang="en-US" smtClean="0"/>
-              <a:t>7/29/2018</a:t>
+              <a:t>8/16/2020</a:t>
             </a:fld>
             <a:endParaRPr lang="en-US"/>
           </a:p>
@@ -1808,7 +1808,7 @@
           <a:p>
             <a:fld id="{32F7251A-AE54-443C-B8FE-5F636E835EBF}" type="datetimeFigureOut">
               <a:rPr lang="en-US" smtClean="0"/>
-              <a:t>7/29/2018</a:t>
+              <a:t>8/16/2020</a:t>
             </a:fld>
             <a:endParaRPr lang="en-US"/>
           </a:p>
@@ -2083,7 +2083,7 @@
           <a:p>
             <a:fld id="{32F7251A-AE54-443C-B8FE-5F636E835EBF}" type="datetimeFigureOut">
               <a:rPr lang="en-US" smtClean="0"/>
-              <a:t>7/29/2018</a:t>
+              <a:t>8/16/2020</a:t>
             </a:fld>
             <a:endParaRPr lang="en-US"/>
           </a:p>
@@ -2335,7 +2335,7 @@
           <a:p>
             <a:fld id="{32F7251A-AE54-443C-B8FE-5F636E835EBF}" type="datetimeFigureOut">
               <a:rPr lang="en-US" smtClean="0"/>
-              <a:t>7/29/2018</a:t>
+              <a:t>8/16/2020</a:t>
             </a:fld>
             <a:endParaRPr lang="en-US"/>
           </a:p>
@@ -2402,7 +2402,9 @@
     <p:bg>
       <p:bgPr>
         <a:solidFill>
-          <a:srgbClr val="333333"/>
+          <a:schemeClr val="bg1">
+            <a:lumMod val="10000"/>
+          </a:schemeClr>
         </a:solidFill>
         <a:effectLst/>
       </p:bgPr>
@@ -2549,7 +2551,7 @@
           <a:p>
             <a:fld id="{32F7251A-AE54-443C-B8FE-5F636E835EBF}" type="datetimeFigureOut">
               <a:rPr lang="en-US" smtClean="0"/>
-              <a:t>7/29/2018</a:t>
+              <a:t>8/16/2020</a:t>
             </a:fld>
             <a:endParaRPr lang="en-US"/>
           </a:p>
@@ -3019,8 +3021,8 @@
         </p:nvSpPr>
         <p:spPr>
           <a:xfrm>
-            <a:off x="0" y="5804209"/>
-            <a:ext cx="12192000" cy="830997"/>
+            <a:off x="0" y="5927320"/>
+            <a:ext cx="12192000" cy="584775"/>
           </a:xfrm>
           <a:prstGeom prst="rect">
             <a:avLst/>
@@ -3035,10 +3037,12 @@
           <a:p>
             <a:pPr algn="ctr"/>
             <a:r>
-              <a:rPr lang="en-US" sz="4800" dirty="0">
+              <a:rPr lang="en-US" sz="3200" u="sng" dirty="0">
                 <a:solidFill>
                   <a:schemeClr val="bg1"/>
                 </a:solidFill>
+                <a:latin typeface="Assistant SemiBold" panose="00000700000000000000" pitchFamily="2" charset="-79"/>
+                <a:cs typeface="Assistant SemiBold" panose="00000700000000000000" pitchFamily="2" charset="-79"/>
               </a:rPr>
               <a:t>“Admonition”</a:t>
             </a:r>
@@ -3053,8 +3057,8 @@
         </p:nvSpPr>
         <p:spPr>
           <a:xfrm>
-            <a:off x="0" y="319381"/>
-            <a:ext cx="12192000" cy="5078313"/>
+            <a:off x="0" y="839334"/>
+            <a:ext cx="12192000" cy="3970318"/>
           </a:xfrm>
           <a:prstGeom prst="rect">
             <a:avLst/>
@@ -3069,26 +3073,32 @@
           <a:p>
             <a:pPr algn="ctr"/>
             <a:r>
-              <a:rPr lang="en-US" sz="3600" dirty="0">
+              <a:rPr lang="en-US" sz="2800" spc="50" dirty="0">
                 <a:solidFill>
                   <a:schemeClr val="bg1"/>
                 </a:solidFill>
+                <a:latin typeface="Assistant" panose="00000500000000000000" pitchFamily="2" charset="-79"/>
+                <a:cs typeface="Assistant" panose="00000500000000000000" pitchFamily="2" charset="-79"/>
               </a:rPr>
               <a:t>“O my people,” </a:t>
             </a:r>
             <a:r>
-              <a:rPr lang="en-US" sz="3600" dirty="0" err="1">
+              <a:rPr lang="en-US" sz="2800" spc="50" dirty="0" err="1">
                 <a:solidFill>
                   <a:schemeClr val="bg1"/>
                 </a:solidFill>
+                <a:latin typeface="Assistant" panose="00000500000000000000" pitchFamily="2" charset="-79"/>
+                <a:cs typeface="Assistant" panose="00000500000000000000" pitchFamily="2" charset="-79"/>
               </a:rPr>
               <a:t>saith</a:t>
             </a:r>
             <a:r>
-              <a:rPr lang="en-US" sz="3600" dirty="0">
+              <a:rPr lang="en-US" sz="2800" spc="50" dirty="0">
                 <a:solidFill>
                   <a:schemeClr val="bg1"/>
                 </a:solidFill>
+                <a:latin typeface="Assistant" panose="00000500000000000000" pitchFamily="2" charset="-79"/>
+                <a:cs typeface="Assistant" panose="00000500000000000000" pitchFamily="2" charset="-79"/>
               </a:rPr>
               <a:t> the Spirit,</a:t>
             </a:r>
@@ -3096,10 +3106,12 @@
           <a:p>
             <a:pPr algn="ctr"/>
             <a:r>
-              <a:rPr lang="en-US" sz="3600" dirty="0">
+              <a:rPr lang="en-US" sz="2800" spc="50" dirty="0">
                 <a:solidFill>
                   <a:schemeClr val="bg1"/>
                 </a:solidFill>
+                <a:latin typeface="Assistant" panose="00000500000000000000" pitchFamily="2" charset="-79"/>
+                <a:cs typeface="Assistant" panose="00000500000000000000" pitchFamily="2" charset="-79"/>
               </a:rPr>
               <a:t>“Hear the word of God today;</a:t>
             </a:r>
@@ -3107,10 +3119,12 @@
           <a:p>
             <a:pPr algn="ctr"/>
             <a:r>
-              <a:rPr lang="en-US" sz="3600" dirty="0">
+              <a:rPr lang="en-US" sz="2800" spc="50" dirty="0">
                 <a:solidFill>
                   <a:schemeClr val="bg1"/>
                 </a:solidFill>
+                <a:latin typeface="Assistant" panose="00000500000000000000" pitchFamily="2" charset="-79"/>
+                <a:cs typeface="Assistant" panose="00000500000000000000" pitchFamily="2" charset="-79"/>
               </a:rPr>
               <a:t>Be not slothful, but obedient;</a:t>
             </a:r>
@@ -3118,37 +3132,45 @@
           <a:p>
             <a:pPr algn="ctr"/>
             <a:r>
-              <a:rPr lang="en-US" sz="3600" dirty="0" err="1">
+              <a:rPr lang="en-US" sz="2800" spc="50" dirty="0" err="1">
                 <a:solidFill>
                   <a:schemeClr val="bg1"/>
                 </a:solidFill>
+                <a:latin typeface="Assistant" panose="00000500000000000000" pitchFamily="2" charset="-79"/>
+                <a:cs typeface="Assistant" panose="00000500000000000000" pitchFamily="2" charset="-79"/>
               </a:rPr>
               <a:t>‘Tis</a:t>
             </a:r>
             <a:r>
-              <a:rPr lang="en-US" sz="3600" dirty="0">
+              <a:rPr lang="en-US" sz="2800" spc="50" dirty="0">
                 <a:solidFill>
                   <a:schemeClr val="bg1"/>
                 </a:solidFill>
+                <a:latin typeface="Assistant" panose="00000500000000000000" pitchFamily="2" charset="-79"/>
+                <a:cs typeface="Assistant" panose="00000500000000000000" pitchFamily="2" charset="-79"/>
               </a:rPr>
               <a:t> the world’s momentous day!</a:t>
             </a:r>
           </a:p>
           <a:p>
             <a:pPr algn="ctr"/>
-            <a:endParaRPr lang="en-US" sz="3600" dirty="0">
+            <a:endParaRPr lang="en-US" sz="2800" spc="50" dirty="0">
               <a:solidFill>
                 <a:schemeClr val="bg1"/>
               </a:solidFill>
+              <a:latin typeface="Assistant" panose="00000500000000000000" pitchFamily="2" charset="-79"/>
+              <a:cs typeface="Assistant" panose="00000500000000000000" pitchFamily="2" charset="-79"/>
             </a:endParaRPr>
           </a:p>
           <a:p>
             <a:pPr algn="ctr"/>
             <a:r>
-              <a:rPr lang="en-US" sz="3600" dirty="0">
+              <a:rPr lang="en-US" sz="2800" spc="50" dirty="0">
                 <a:solidFill>
                   <a:schemeClr val="bg1"/>
                 </a:solidFill>
+                <a:latin typeface="Assistant" panose="00000500000000000000" pitchFamily="2" charset="-79"/>
+                <a:cs typeface="Assistant" panose="00000500000000000000" pitchFamily="2" charset="-79"/>
               </a:rPr>
               <a:t>Unto honor I have called you—</a:t>
             </a:r>
@@ -3156,10 +3178,12 @@
           <a:p>
             <a:pPr algn="ctr"/>
             <a:r>
-              <a:rPr lang="en-US" sz="3600" dirty="0">
+              <a:rPr lang="en-US" sz="2800" spc="50" dirty="0">
                 <a:solidFill>
                   <a:schemeClr val="bg1"/>
                 </a:solidFill>
+                <a:latin typeface="Assistant" panose="00000500000000000000" pitchFamily="2" charset="-79"/>
+                <a:cs typeface="Assistant" panose="00000500000000000000" pitchFamily="2" charset="-79"/>
               </a:rPr>
               <a:t>Honor great as angels know;</a:t>
             </a:r>
@@ -3167,10 +3191,12 @@
           <a:p>
             <a:pPr algn="ctr"/>
             <a:r>
-              <a:rPr lang="en-US" sz="3600" dirty="0">
+              <a:rPr lang="en-US" sz="2800" spc="50" dirty="0">
                 <a:solidFill>
                   <a:schemeClr val="bg1"/>
                 </a:solidFill>
+                <a:latin typeface="Assistant" panose="00000500000000000000" pitchFamily="2" charset="-79"/>
+                <a:cs typeface="Assistant" panose="00000500000000000000" pitchFamily="2" charset="-79"/>
               </a:rPr>
               <a:t>Heed ye, then, a Father’s counsel,</a:t>
             </a:r>
@@ -3178,10 +3204,12 @@
           <a:p>
             <a:pPr algn="ctr"/>
             <a:r>
-              <a:rPr lang="en-US" sz="3600" dirty="0">
+              <a:rPr lang="en-US" sz="2800" spc="50" dirty="0">
                 <a:solidFill>
                   <a:schemeClr val="bg1"/>
                 </a:solidFill>
+                <a:latin typeface="Assistant" panose="00000500000000000000" pitchFamily="2" charset="-79"/>
+                <a:cs typeface="Assistant" panose="00000500000000000000" pitchFamily="2" charset="-79"/>
               </a:rPr>
               <a:t>And by deeds your purpose show.”</a:t>
             </a:r>
@@ -3283,8 +3311,8 @@
         </p:nvSpPr>
         <p:spPr>
           <a:xfrm>
-            <a:off x="0" y="5804209"/>
-            <a:ext cx="12192000" cy="830997"/>
+            <a:off x="0" y="5927320"/>
+            <a:ext cx="12192000" cy="584775"/>
           </a:xfrm>
           <a:prstGeom prst="rect">
             <a:avLst/>
@@ -3299,10 +3327,12 @@
           <a:p>
             <a:pPr algn="ctr"/>
             <a:r>
-              <a:rPr lang="en-US" sz="4800" dirty="0">
+              <a:rPr lang="en-US" sz="3200" u="sng" dirty="0">
                 <a:solidFill>
                   <a:schemeClr val="bg1"/>
                 </a:solidFill>
+                <a:latin typeface="Assistant SemiBold" panose="00000700000000000000" pitchFamily="2" charset="-79"/>
+                <a:cs typeface="Assistant SemiBold" panose="00000700000000000000" pitchFamily="2" charset="-79"/>
               </a:rPr>
               <a:t>“Admonition”</a:t>
             </a:r>
@@ -3317,8 +3347,8 @@
         </p:nvSpPr>
         <p:spPr>
           <a:xfrm>
-            <a:off x="0" y="319381"/>
-            <a:ext cx="12192000" cy="5078313"/>
+            <a:off x="0" y="729571"/>
+            <a:ext cx="12192000" cy="3970318"/>
           </a:xfrm>
           <a:prstGeom prst="rect">
             <a:avLst/>
@@ -3333,10 +3363,12 @@
           <a:p>
             <a:pPr algn="ctr"/>
             <a:r>
-              <a:rPr lang="en-US" sz="3600" dirty="0">
+              <a:rPr lang="en-US" sz="2800" spc="50" dirty="0">
                 <a:solidFill>
                   <a:schemeClr val="bg1"/>
                 </a:solidFill>
+                <a:latin typeface="Assistant" panose="00000500000000000000" pitchFamily="2" charset="-79"/>
+                <a:cs typeface="Assistant" panose="00000500000000000000" pitchFamily="2" charset="-79"/>
               </a:rPr>
               <a:t>“Time is ripe!  My work must hasten!</a:t>
             </a:r>
@@ -3344,10 +3376,12 @@
           <a:p>
             <a:pPr algn="ctr"/>
             <a:r>
-              <a:rPr lang="en-US" sz="3600" dirty="0">
+              <a:rPr lang="en-US" sz="2800" spc="50" dirty="0">
                 <a:solidFill>
                   <a:schemeClr val="bg1"/>
                 </a:solidFill>
+                <a:latin typeface="Assistant" panose="00000500000000000000" pitchFamily="2" charset="-79"/>
+                <a:cs typeface="Assistant" panose="00000500000000000000" pitchFamily="2" charset="-79"/>
               </a:rPr>
               <a:t>Whoso will may bide the hour.”</a:t>
             </a:r>
@@ -3355,26 +3389,32 @@
           <a:p>
             <a:pPr algn="ctr"/>
             <a:r>
-              <a:rPr lang="en-US" sz="3600" dirty="0">
+              <a:rPr lang="en-US" sz="2800" spc="50" dirty="0">
                 <a:solidFill>
                   <a:schemeClr val="bg1"/>
                 </a:solidFill>
+                <a:latin typeface="Assistant" panose="00000500000000000000" pitchFamily="2" charset="-79"/>
+                <a:cs typeface="Assistant" panose="00000500000000000000" pitchFamily="2" charset="-79"/>
               </a:rPr>
               <a:t>Naught can harm whom God </a:t>
             </a:r>
             <a:r>
-              <a:rPr lang="en-US" sz="3600" dirty="0" err="1">
+              <a:rPr lang="en-US" sz="2800" spc="50" dirty="0" err="1">
                 <a:solidFill>
                   <a:schemeClr val="bg1"/>
                 </a:solidFill>
+                <a:latin typeface="Assistant" panose="00000500000000000000" pitchFamily="2" charset="-79"/>
+                <a:cs typeface="Assistant" panose="00000500000000000000" pitchFamily="2" charset="-79"/>
               </a:rPr>
               <a:t>protecteth</a:t>
             </a:r>
             <a:r>
-              <a:rPr lang="en-US" sz="3600" dirty="0">
+              <a:rPr lang="en-US" sz="2800" spc="50" dirty="0">
                 <a:solidFill>
                   <a:schemeClr val="bg1"/>
                 </a:solidFill>
+                <a:latin typeface="Assistant" panose="00000500000000000000" pitchFamily="2" charset="-79"/>
+                <a:cs typeface="Assistant" panose="00000500000000000000" pitchFamily="2" charset="-79"/>
               </a:rPr>
               <a:t>—</a:t>
             </a:r>
@@ -3382,29 +3422,35 @@
           <a:p>
             <a:pPr algn="ctr"/>
             <a:r>
-              <a:rPr lang="en-US" sz="3600" dirty="0">
+              <a:rPr lang="en-US" sz="2800" spc="50" dirty="0">
                 <a:solidFill>
                   <a:schemeClr val="bg1"/>
                 </a:solidFill>
+                <a:latin typeface="Assistant" panose="00000500000000000000" pitchFamily="2" charset="-79"/>
+                <a:cs typeface="Assistant" panose="00000500000000000000" pitchFamily="2" charset="-79"/>
               </a:rPr>
               <a:t>Elements confess His power.</a:t>
             </a:r>
           </a:p>
           <a:p>
             <a:pPr algn="ctr"/>
-            <a:endParaRPr lang="en-US" sz="3600" dirty="0">
+            <a:endParaRPr lang="en-US" sz="2800" spc="50" dirty="0">
               <a:solidFill>
                 <a:schemeClr val="bg1"/>
               </a:solidFill>
+              <a:latin typeface="Assistant" panose="00000500000000000000" pitchFamily="2" charset="-79"/>
+              <a:cs typeface="Assistant" panose="00000500000000000000" pitchFamily="2" charset="-79"/>
             </a:endParaRPr>
           </a:p>
           <a:p>
             <a:pPr algn="ctr"/>
             <a:r>
-              <a:rPr lang="en-US" sz="3600" dirty="0">
+              <a:rPr lang="en-US" sz="2800" spc="50" dirty="0">
                 <a:solidFill>
                   <a:schemeClr val="bg1"/>
                 </a:solidFill>
+                <a:latin typeface="Assistant" panose="00000500000000000000" pitchFamily="2" charset="-79"/>
+                <a:cs typeface="Assistant" panose="00000500000000000000" pitchFamily="2" charset="-79"/>
               </a:rPr>
               <a:t>“Up ye, then, to the high places</a:t>
             </a:r>
@@ -3412,10 +3458,12 @@
           <a:p>
             <a:pPr algn="ctr"/>
             <a:r>
-              <a:rPr lang="en-US" sz="3600" dirty="0">
+              <a:rPr lang="en-US" sz="2800" spc="50" dirty="0">
                 <a:solidFill>
                   <a:schemeClr val="bg1"/>
                 </a:solidFill>
+                <a:latin typeface="Assistant" panose="00000500000000000000" pitchFamily="2" charset="-79"/>
+                <a:cs typeface="Assistant" panose="00000500000000000000" pitchFamily="2" charset="-79"/>
               </a:rPr>
               <a:t>I have bid you occupy!</a:t>
             </a:r>
@@ -3423,10 +3471,12 @@
           <a:p>
             <a:pPr algn="ctr"/>
             <a:r>
-              <a:rPr lang="en-US" sz="3600" dirty="0">
+              <a:rPr lang="en-US" sz="2800" spc="50" dirty="0">
                 <a:solidFill>
                   <a:schemeClr val="bg1"/>
                 </a:solidFill>
+                <a:latin typeface="Assistant" panose="00000500000000000000" pitchFamily="2" charset="-79"/>
+                <a:cs typeface="Assistant" panose="00000500000000000000" pitchFamily="2" charset="-79"/>
               </a:rPr>
               <a:t>Peril waits upon the heedless,</a:t>
             </a:r>
@@ -3434,10 +3484,12 @@
           <a:p>
             <a:pPr algn="ctr"/>
             <a:r>
-              <a:rPr lang="en-US" sz="3600" dirty="0">
+              <a:rPr lang="en-US" sz="2800" spc="50" dirty="0">
                 <a:solidFill>
                   <a:schemeClr val="bg1"/>
                 </a:solidFill>
+                <a:latin typeface="Assistant" panose="00000500000000000000" pitchFamily="2" charset="-79"/>
+                <a:cs typeface="Assistant" panose="00000500000000000000" pitchFamily="2" charset="-79"/>
               </a:rPr>
               <a:t>Grace upon the souls who try!”</a:t>
             </a:r>
@@ -3539,8 +3591,8 @@
         </p:nvSpPr>
         <p:spPr>
           <a:xfrm>
-            <a:off x="0" y="5804209"/>
-            <a:ext cx="12192000" cy="830997"/>
+            <a:off x="0" y="5927320"/>
+            <a:ext cx="12192000" cy="584775"/>
           </a:xfrm>
           <a:prstGeom prst="rect">
             <a:avLst/>
@@ -3555,13 +3607,20 @@
           <a:p>
             <a:pPr algn="ctr"/>
             <a:r>
-              <a:rPr lang="en-US" sz="4800" dirty="0">
+              <a:rPr lang="en-US" sz="3200" u="sng" dirty="0">
                 <a:solidFill>
                   <a:schemeClr val="bg1"/>
                 </a:solidFill>
+                <a:latin typeface="Assistant SemiBold" panose="00000700000000000000" pitchFamily="2" charset="-79"/>
+                <a:cs typeface="Assistant SemiBold" panose="00000700000000000000" pitchFamily="2" charset="-79"/>
               </a:rPr>
               <a:t>“Admonition”</a:t>
             </a:r>
+            <a:endParaRPr lang="en-US" sz="4800" dirty="0">
+              <a:solidFill>
+                <a:schemeClr val="bg1"/>
+              </a:solidFill>
+            </a:endParaRPr>
           </a:p>
         </p:txBody>
       </p:sp>
@@ -3573,8 +3632,8 @@
         </p:nvSpPr>
         <p:spPr>
           <a:xfrm>
-            <a:off x="0" y="319381"/>
-            <a:ext cx="12192000" cy="5078313"/>
+            <a:off x="0" y="729571"/>
+            <a:ext cx="12192000" cy="3970318"/>
           </a:xfrm>
           <a:prstGeom prst="rect">
             <a:avLst/>
@@ -3589,10 +3648,12 @@
           <a:p>
             <a:pPr algn="ctr"/>
             <a:r>
-              <a:rPr lang="en-US" sz="3600" dirty="0">
+              <a:rPr lang="en-US" sz="2800" spc="50" dirty="0">
                 <a:solidFill>
                   <a:schemeClr val="bg1"/>
                 </a:solidFill>
+                <a:latin typeface="Assistant" panose="00000500000000000000" pitchFamily="2" charset="-79"/>
+                <a:cs typeface="Assistant" panose="00000500000000000000" pitchFamily="2" charset="-79"/>
               </a:rPr>
               <a:t>“Love ye me and love all people—</a:t>
             </a:r>
@@ -3600,10 +3661,12 @@
           <a:p>
             <a:pPr algn="ctr"/>
             <a:r>
-              <a:rPr lang="en-US" sz="3600" dirty="0">
+              <a:rPr lang="en-US" sz="2800" spc="50" dirty="0">
                 <a:solidFill>
                   <a:schemeClr val="bg1"/>
                 </a:solidFill>
+                <a:latin typeface="Assistant" panose="00000500000000000000" pitchFamily="2" charset="-79"/>
+                <a:cs typeface="Assistant" panose="00000500000000000000" pitchFamily="2" charset="-79"/>
               </a:rPr>
               <a:t>Love as I have loved you;</a:t>
             </a:r>
@@ -3611,10 +3674,12 @@
           <a:p>
             <a:pPr algn="ctr"/>
             <a:r>
-              <a:rPr lang="en-US" sz="3600" dirty="0">
+              <a:rPr lang="en-US" sz="2800" spc="50" dirty="0">
                 <a:solidFill>
                   <a:schemeClr val="bg1"/>
                 </a:solidFill>
+                <a:latin typeface="Assistant" panose="00000500000000000000" pitchFamily="2" charset="-79"/>
+                <a:cs typeface="Assistant" panose="00000500000000000000" pitchFamily="2" charset="-79"/>
               </a:rPr>
               <a:t>This your calling– this my purpose—</a:t>
             </a:r>
@@ -3622,29 +3687,35 @@
           <a:p>
             <a:pPr algn="ctr"/>
             <a:r>
-              <a:rPr lang="en-US" sz="3600" dirty="0">
+              <a:rPr lang="en-US" sz="2800" spc="50" dirty="0">
                 <a:solidFill>
                   <a:schemeClr val="bg1"/>
                 </a:solidFill>
+                <a:latin typeface="Assistant" panose="00000500000000000000" pitchFamily="2" charset="-79"/>
+                <a:cs typeface="Assistant" panose="00000500000000000000" pitchFamily="2" charset="-79"/>
               </a:rPr>
               <a:t>Thus be my disciples true.</a:t>
             </a:r>
           </a:p>
           <a:p>
             <a:pPr algn="ctr"/>
-            <a:endParaRPr lang="en-US" sz="3600" dirty="0">
+            <a:endParaRPr lang="en-US" sz="2800" spc="50" dirty="0">
               <a:solidFill>
                 <a:schemeClr val="bg1"/>
               </a:solidFill>
+              <a:latin typeface="Assistant" panose="00000500000000000000" pitchFamily="2" charset="-79"/>
+              <a:cs typeface="Assistant" panose="00000500000000000000" pitchFamily="2" charset="-79"/>
             </a:endParaRPr>
           </a:p>
           <a:p>
             <a:pPr algn="ctr"/>
             <a:r>
-              <a:rPr lang="en-US" sz="3600" dirty="0">
+              <a:rPr lang="en-US" sz="2800" spc="50" dirty="0">
                 <a:solidFill>
                   <a:schemeClr val="bg1"/>
                 </a:solidFill>
+                <a:latin typeface="Assistant" panose="00000500000000000000" pitchFamily="2" charset="-79"/>
+                <a:cs typeface="Assistant" panose="00000500000000000000" pitchFamily="2" charset="-79"/>
               </a:rPr>
               <a:t>Then in this exalted station,</a:t>
             </a:r>
@@ -3652,10 +3723,12 @@
           <a:p>
             <a:pPr algn="ctr"/>
             <a:r>
-              <a:rPr lang="en-US" sz="3600" dirty="0">
+              <a:rPr lang="en-US" sz="2800" spc="50" dirty="0">
                 <a:solidFill>
                   <a:schemeClr val="bg1"/>
                 </a:solidFill>
+                <a:latin typeface="Assistant" panose="00000500000000000000" pitchFamily="2" charset="-79"/>
+                <a:cs typeface="Assistant" panose="00000500000000000000" pitchFamily="2" charset="-79"/>
               </a:rPr>
               <a:t>Your companion I will be;</a:t>
             </a:r>
@@ -3663,10 +3736,12 @@
           <a:p>
             <a:pPr algn="ctr"/>
             <a:r>
-              <a:rPr lang="en-US" sz="3600" dirty="0">
+              <a:rPr lang="en-US" sz="2800" spc="50" dirty="0">
                 <a:solidFill>
                   <a:schemeClr val="bg1"/>
                 </a:solidFill>
+                <a:latin typeface="Assistant" panose="00000500000000000000" pitchFamily="2" charset="-79"/>
+                <a:cs typeface="Assistant" panose="00000500000000000000" pitchFamily="2" charset="-79"/>
               </a:rPr>
               <a:t>Every promise of my Scriptures</a:t>
             </a:r>
@@ -3674,10 +3749,12 @@
           <a:p>
             <a:pPr algn="ctr"/>
             <a:r>
-              <a:rPr lang="en-US" sz="3600" dirty="0">
+              <a:rPr lang="en-US" sz="2800" spc="50" dirty="0">
                 <a:solidFill>
                   <a:schemeClr val="bg1"/>
                 </a:solidFill>
+                <a:latin typeface="Assistant" panose="00000500000000000000" pitchFamily="2" charset="-79"/>
+                <a:cs typeface="Assistant" panose="00000500000000000000" pitchFamily="2" charset="-79"/>
               </a:rPr>
               <a:t>Will be verified in Thee.”</a:t>
             </a:r>
@@ -3779,8 +3856,8 @@
         </p:nvSpPr>
         <p:spPr>
           <a:xfrm>
-            <a:off x="0" y="5804209"/>
-            <a:ext cx="12192000" cy="830997"/>
+            <a:off x="0" y="5927320"/>
+            <a:ext cx="12192000" cy="584775"/>
           </a:xfrm>
           <a:prstGeom prst="rect">
             <a:avLst/>
@@ -3795,10 +3872,12 @@
           <a:p>
             <a:pPr algn="ctr"/>
             <a:r>
-              <a:rPr lang="en-US" sz="4800" dirty="0">
+              <a:rPr lang="en-US" sz="3200" u="sng" dirty="0">
                 <a:solidFill>
                   <a:schemeClr val="bg1"/>
                 </a:solidFill>
+                <a:latin typeface="Assistant SemiBold" panose="00000700000000000000" pitchFamily="2" charset="-79"/>
+                <a:cs typeface="Assistant SemiBold" panose="00000700000000000000" pitchFamily="2" charset="-79"/>
               </a:rPr>
               <a:t>“Admonition”</a:t>
             </a:r>
@@ -3813,8 +3892,8 @@
         </p:nvSpPr>
         <p:spPr>
           <a:xfrm>
-            <a:off x="0" y="319381"/>
-            <a:ext cx="12192000" cy="5078313"/>
+            <a:off x="0" y="729571"/>
+            <a:ext cx="12192000" cy="3970318"/>
           </a:xfrm>
           <a:prstGeom prst="rect">
             <a:avLst/>
@@ -3829,10 +3908,12 @@
           <a:p>
             <a:pPr algn="ctr"/>
             <a:r>
-              <a:rPr lang="en-US" sz="3600" dirty="0">
+              <a:rPr lang="en-US" sz="2800" spc="50" dirty="0">
                 <a:solidFill>
                   <a:schemeClr val="bg1"/>
                 </a:solidFill>
+                <a:latin typeface="Assistant" panose="00000500000000000000" pitchFamily="2" charset="-79"/>
+                <a:cs typeface="Assistant" panose="00000500000000000000" pitchFamily="2" charset="-79"/>
               </a:rPr>
               <a:t>“Get ye up, then, to your mountain,</a:t>
             </a:r>
@@ -3840,10 +3921,12 @@
           <a:p>
             <a:pPr algn="ctr"/>
             <a:r>
-              <a:rPr lang="en-US" sz="3600" dirty="0">
+              <a:rPr lang="en-US" sz="2800" spc="50" dirty="0">
                 <a:solidFill>
                   <a:schemeClr val="bg1"/>
                 </a:solidFill>
+                <a:latin typeface="Assistant" panose="00000500000000000000" pitchFamily="2" charset="-79"/>
+                <a:cs typeface="Assistant" panose="00000500000000000000" pitchFamily="2" charset="-79"/>
               </a:rPr>
               <a:t>Zion of this closing day!</a:t>
             </a:r>
@@ -3851,10 +3934,12 @@
           <a:p>
             <a:pPr algn="ctr"/>
             <a:r>
-              <a:rPr lang="en-US" sz="3600" dirty="0">
+              <a:rPr lang="en-US" sz="2800" spc="50" dirty="0">
                 <a:solidFill>
                   <a:schemeClr val="bg1"/>
                 </a:solidFill>
+                <a:latin typeface="Assistant" panose="00000500000000000000" pitchFamily="2" charset="-79"/>
+                <a:cs typeface="Assistant" panose="00000500000000000000" pitchFamily="2" charset="-79"/>
               </a:rPr>
               <a:t>For the glory of my coming</a:t>
             </a:r>
@@ -3862,29 +3947,35 @@
           <a:p>
             <a:pPr algn="ctr"/>
             <a:r>
-              <a:rPr lang="en-US" sz="3600" dirty="0">
+              <a:rPr lang="en-US" sz="2800" spc="50" dirty="0">
                 <a:solidFill>
                   <a:schemeClr val="bg1"/>
                 </a:solidFill>
+                <a:latin typeface="Assistant" panose="00000500000000000000" pitchFamily="2" charset="-79"/>
+                <a:cs typeface="Assistant" panose="00000500000000000000" pitchFamily="2" charset="-79"/>
               </a:rPr>
               <a:t>Waits to break upon your way!</a:t>
             </a:r>
           </a:p>
           <a:p>
             <a:pPr algn="ctr"/>
-            <a:endParaRPr lang="en-US" sz="3600" dirty="0">
+            <a:endParaRPr lang="en-US" sz="2800" spc="50" dirty="0">
               <a:solidFill>
                 <a:schemeClr val="bg1"/>
               </a:solidFill>
+              <a:latin typeface="Assistant" panose="00000500000000000000" pitchFamily="2" charset="-79"/>
+              <a:cs typeface="Assistant" panose="00000500000000000000" pitchFamily="2" charset="-79"/>
             </a:endParaRPr>
           </a:p>
           <a:p>
             <a:pPr algn="ctr"/>
             <a:r>
-              <a:rPr lang="en-US" sz="3600" dirty="0">
+              <a:rPr lang="en-US" sz="2800" spc="50" dirty="0">
                 <a:solidFill>
                   <a:schemeClr val="bg1"/>
                 </a:solidFill>
+                <a:latin typeface="Assistant" panose="00000500000000000000" pitchFamily="2" charset="-79"/>
+                <a:cs typeface="Assistant" panose="00000500000000000000" pitchFamily="2" charset="-79"/>
               </a:rPr>
               <a:t>Forth from thence your testimony</a:t>
             </a:r>
@@ -3892,10 +3983,12 @@
           <a:p>
             <a:pPr algn="ctr"/>
             <a:r>
-              <a:rPr lang="en-US" sz="3600" dirty="0">
+              <a:rPr lang="en-US" sz="2800" spc="50" dirty="0">
                 <a:solidFill>
                   <a:schemeClr val="bg1"/>
                 </a:solidFill>
+                <a:latin typeface="Assistant" panose="00000500000000000000" pitchFamily="2" charset="-79"/>
+                <a:cs typeface="Assistant" panose="00000500000000000000" pitchFamily="2" charset="-79"/>
               </a:rPr>
               <a:t>Shall to trembling nations go,</a:t>
             </a:r>
@@ -3903,10 +3996,12 @@
           <a:p>
             <a:pPr algn="ctr"/>
             <a:r>
-              <a:rPr lang="en-US" sz="3600" dirty="0">
+              <a:rPr lang="en-US" sz="2800" spc="50" dirty="0">
                 <a:solidFill>
                   <a:schemeClr val="bg1"/>
                 </a:solidFill>
+                <a:latin typeface="Assistant" panose="00000500000000000000" pitchFamily="2" charset="-79"/>
+                <a:cs typeface="Assistant" panose="00000500000000000000" pitchFamily="2" charset="-79"/>
               </a:rPr>
               <a:t>And the world confess that with you</a:t>
             </a:r>
@@ -3914,10 +4009,12 @@
           <a:p>
             <a:pPr algn="ctr"/>
             <a:r>
-              <a:rPr lang="en-US" sz="3600" dirty="0">
+              <a:rPr lang="en-US" sz="2800" spc="50" dirty="0">
                 <a:solidFill>
                   <a:schemeClr val="bg1"/>
                 </a:solidFill>
+                <a:latin typeface="Assistant" panose="00000500000000000000" pitchFamily="2" charset="-79"/>
+                <a:cs typeface="Assistant" panose="00000500000000000000" pitchFamily="2" charset="-79"/>
               </a:rPr>
               <a:t>God has residence below.”</a:t>
             </a:r>
